--- a/Unit 10/Unit 10 For Live Session.pptx
+++ b/Unit 10/Unit 10 For Live Session.pptx
@@ -2130,8 +2130,8 @@
           </a:p>
         </p:txBody>
       </p:sp>
-      <mc:AlternateContent xmlns:mc="http://schemas.openxmlformats.org/markup-compatibility/2006">
-        <mc:Choice xmlns:a14="http://schemas.microsoft.com/office/drawing/2010/main" Requires="a14">
+      <mc:AlternateContent xmlns:mc="http://schemas.openxmlformats.org/markup-compatibility/2006" xmlns:a14="http://schemas.microsoft.com/office/drawing/2010/main">
+        <mc:Choice Requires="a14">
           <p:sp>
             <p:nvSpPr>
               <p:cNvPr id="4" name="Rectangle 3">
@@ -2381,7 +2381,7 @@
             </p:txBody>
           </p:sp>
         </mc:Choice>
-        <mc:Fallback>
+        <mc:Fallback xmlns="">
           <p:sp>
             <p:nvSpPr>
               <p:cNvPr id="4" name="Rectangle 3">
@@ -2484,8 +2484,8 @@
           </a:p>
         </p:txBody>
       </p:sp>
-      <mc:AlternateContent xmlns:mc="http://schemas.openxmlformats.org/markup-compatibility/2006">
-        <mc:Choice xmlns:a14="http://schemas.microsoft.com/office/drawing/2010/main" Requires="a14">
+      <mc:AlternateContent xmlns:mc="http://schemas.openxmlformats.org/markup-compatibility/2006" xmlns:a14="http://schemas.microsoft.com/office/drawing/2010/main">
+        <mc:Choice Requires="a14">
           <p:sp>
             <p:nvSpPr>
               <p:cNvPr id="4" name="Rectangle 3">
@@ -2999,7 +2999,7 @@
             </p:txBody>
           </p:sp>
         </mc:Choice>
-        <mc:Fallback>
+        <mc:Fallback xmlns="">
           <p:sp>
             <p:nvSpPr>
               <p:cNvPr id="4" name="Rectangle 3">
@@ -3175,22 +3175,22 @@
             <a:pPr lvl="1"/>
             <a:r>
               <a:rPr lang="en-US" sz="2000" dirty="0"/>
-              <a:t> You may use any of the variables as regressors EXCEPT for </a:t>
-            </a:r>
-            <a:r>
-              <a:rPr lang="en-US" sz="2000" dirty="0" err="1"/>
-              <a:t>mps</a:t>
+              <a:t> You may use any of the variables as regressors EXCEPT </a:t>
+            </a:r>
+            <a:r>
+              <a:rPr lang="en-US" sz="2000"/>
+              <a:t>for mpg </a:t>
             </a:r>
             <a:r>
               <a:rPr lang="en-US" sz="2000" dirty="0"/>
-              <a:t> (since we will later be using horsepower to predict mpg.) </a:t>
+              <a:t>(since we will later be using horsepower to predict mpg.) </a:t>
             </a:r>
           </a:p>
           <a:p>
             <a:pPr lvl="1"/>
             <a:r>
               <a:rPr lang="en-US" sz="2000" dirty="0"/>
-              <a:t>Assess the relationship between the mpg and the slope.  Make sure and include estimates of your uncertainty (</a:t>
+              <a:t>Assess the relationship between the mpg and the horsepower.  Make sure and include estimates of your uncertainty (</a:t>
             </a:r>
             <a:r>
               <a:rPr lang="en-US" sz="2000" dirty="0" err="1"/>
